--- a/Handouts/Presentation_slides.pptx
+++ b/Handouts/Presentation_slides.pptx
@@ -165,7 +165,7 @@
   </p:defaultTextStyle>
   <p:extLst>
     <p:ext uri="{EFAFB233-063F-42B5-8137-9DF3F51BA10A}">
-      <p15:sldGuideLst xmlns:p15="http://schemas.microsoft.com/office/powerpoint/2012/main">
+      <p15:sldGuideLst xmlns:p15="http://schemas.microsoft.com/office/powerpoint/2012/main" xmlns="">
         <p15:guide id="1" orient="horz" pos="3068">
           <p15:clr>
             <a:srgbClr val="A4A3A4"/>
@@ -224,7 +224,7 @@
       </p15:sldGuideLst>
     </p:ext>
     <p:ext uri="{2D200454-40CA-4A62-9FC3-DE9A4176ACB9}">
-      <p15:notesGuideLst xmlns:p15="http://schemas.microsoft.com/office/powerpoint/2012/main">
+      <p15:notesGuideLst xmlns:p15="http://schemas.microsoft.com/office/powerpoint/2012/main" xmlns="">
         <p15:guide id="1" orient="horz" pos="2880">
           <p15:clr>
             <a:srgbClr val="A4A3A4"/>
@@ -323,7 +323,7 @@
           <a:p>
             <a:fld id="{E2D3FC8D-6A5F-41D7-BE3A-19745860D7C6}" type="datetimeFigureOut">
               <a:rPr lang="en-GB" smtClean="0"/>
-              <a:t>14/03/2017</a:t>
+              <a:t>15.03.17</a:t>
             </a:fld>
             <a:endParaRPr lang="en-GB"/>
           </a:p>
@@ -488,7 +488,7 @@
           <a:p>
             <a:fld id="{A2FE1E91-FC07-4489-9C87-F9853DDBC6AD}" type="datetimeFigureOut">
               <a:rPr lang="en-GB" smtClean="0"/>
-              <a:t>14/03/2017</a:t>
+              <a:t>15.03.17</a:t>
             </a:fld>
             <a:endParaRPr lang="en-GB"/>
           </a:p>
@@ -5746,7 +5746,6 @@
               <a:rPr lang="nb-NO" dirty="0" smtClean="0"/>
               <a:t> </a:t>
             </a:r>
-            <a:endParaRPr lang="nb-NO" dirty="0" smtClean="0"/>
           </a:p>
           <a:p>
             <a:pPr marL="0" marR="0" lvl="1" indent="0" algn="l" defTabSz="914400" rtl="0" eaLnBrk="1" fontAlgn="auto" latinLnBrk="0" hangingPunct="1">
@@ -5817,12 +5816,11 @@
               <a:rPr lang="nb-NO" dirty="0" smtClean="0"/>
               <a:t>https://evil.skandlabanken.no/ck/iframeyou.html</a:t>
             </a:r>
+          </a:p>
+          <a:p>
             <a:endParaRPr lang="nb-NO" dirty="0" smtClean="0"/>
           </a:p>
           <a:p>
-            <a:endParaRPr lang="nb-NO" dirty="0" smtClean="0"/>
-          </a:p>
-          <a:p>
             <a:r>
               <a:rPr lang="nb-NO" dirty="0" smtClean="0"/>
               <a:t>Old/</a:t>
@@ -5835,7 +5833,6 @@
               <a:rPr lang="nb-NO" dirty="0" smtClean="0"/>
               <a:t>:</a:t>
             </a:r>
-            <a:endParaRPr lang="nb-NO" dirty="0" smtClean="0"/>
           </a:p>
           <a:p>
             <a:r>
@@ -10108,7 +10105,7 @@
   <p:timing>
     <p:tnLst>
       <p:par>
-        <p:cTn id="1" dur="indefinite" restart="never" nodeType="tmRoot"/>
+        <p:cTn xmlns:p14="http://schemas.microsoft.com/office/powerpoint/2010/main" id="1" dur="indefinite" restart="never" nodeType="tmRoot"/>
       </p:par>
     </p:tnLst>
   </p:timing>
@@ -10436,7 +10433,7 @@
   <p:timing>
     <p:tnLst>
       <p:par>
-        <p:cTn id="1" dur="indefinite" restart="never" nodeType="tmRoot"/>
+        <p:cTn xmlns:p14="http://schemas.microsoft.com/office/powerpoint/2010/main" id="1" dur="indefinite" restart="never" nodeType="tmRoot"/>
       </p:par>
     </p:tnLst>
   </p:timing>
@@ -14994,7 +14991,7 @@
   <p:timing>
     <p:tnLst>
       <p:par>
-        <p:cTn id="1" dur="indefinite" restart="never" nodeType="tmRoot"/>
+        <p:cTn xmlns:p14="http://schemas.microsoft.com/office/powerpoint/2010/main" id="1" dur="indefinite" restart="never" nodeType="tmRoot"/>
       </p:par>
     </p:tnLst>
   </p:timing>
@@ -15316,7 +15313,7 @@
           </a:prstGeom>
           <a:noFill/>
           <a:extLst>
-            <a:ext uri="{909E8E84-426E-40DD-AFC4-6F175D3DCCD1}">
+            <a:ext uri="{909E8E84-426E-40dd-AFC4-6F175D3DCCD1}">
               <a14:hiddenFill xmlns:a14="http://schemas.microsoft.com/office/drawing/2010/main">
                 <a:solidFill>
                   <a:srgbClr val="FFFFFF"/>
@@ -15370,15 +15367,7 @@
                   <a:schemeClr val="tx2"/>
                 </a:solidFill>
               </a:rPr>
-              <a:t>ecure your site and your </a:t>
-            </a:r>
-            <a:r>
-              <a:rPr lang="en-US" sz="2800" b="0" dirty="0" smtClean="0">
-                <a:solidFill>
-                  <a:schemeClr val="tx2"/>
-                </a:solidFill>
-              </a:rPr>
-              <a:t>users</a:t>
+              <a:t>ecure your site and your users</a:t>
             </a:r>
             <a:endParaRPr lang="en-US" sz="2800" b="0" dirty="0">
               <a:solidFill>
@@ -15413,11 +15402,7 @@
             </a:pPr>
             <a:r>
               <a:rPr lang="sv-SE" sz="1800" dirty="0" smtClean="0"/>
-              <a:t>Daniele </a:t>
-            </a:r>
-            <a:r>
-              <a:rPr lang="sv-SE" sz="1800" dirty="0" smtClean="0"/>
-              <a:t>Howell</a:t>
+              <a:t>Daniele Howell</a:t>
             </a:r>
           </a:p>
           <a:p>
@@ -15435,11 +15420,7 @@
             </a:pPr>
             <a:r>
               <a:rPr lang="sv-SE" sz="1800" dirty="0" smtClean="0"/>
-              <a:t>Vidar </a:t>
-            </a:r>
-            <a:r>
-              <a:rPr lang="sv-SE" sz="1800" dirty="0" smtClean="0"/>
-              <a:t>Drageide</a:t>
+              <a:t>Vidar Drageide</a:t>
             </a:r>
             <a:endParaRPr lang="sv-SE" sz="1800" dirty="0"/>
           </a:p>
@@ -15512,7 +15493,7 @@
   <p:timing>
     <p:tnLst>
       <p:par>
-        <p:cTn id="1" dur="indefinite" restart="never" nodeType="tmRoot"/>
+        <p:cTn xmlns:p14="http://schemas.microsoft.com/office/powerpoint/2010/main" id="1" dur="indefinite" restart="never" nodeType="tmRoot"/>
       </p:par>
     </p:tnLst>
   </p:timing>
@@ -15909,7 +15890,7 @@
   <p:timing>
     <p:tnLst>
       <p:par>
-        <p:cTn id="1" dur="indefinite" restart="never" nodeType="tmRoot"/>
+        <p:cTn xmlns:p14="http://schemas.microsoft.com/office/powerpoint/2010/main" id="1" dur="indefinite" restart="never" nodeType="tmRoot"/>
       </p:par>
     </p:tnLst>
   </p:timing>
@@ -16163,7 +16144,7 @@
   <p:timing>
     <p:tnLst>
       <p:par>
-        <p:cTn id="1" dur="indefinite" restart="never" nodeType="tmRoot"/>
+        <p:cTn xmlns:p14="http://schemas.microsoft.com/office/powerpoint/2010/main" id="1" dur="indefinite" restart="never" nodeType="tmRoot"/>
       </p:par>
     </p:tnLst>
   </p:timing>
@@ -16475,7 +16456,7 @@
   <p:timing>
     <p:tnLst>
       <p:par>
-        <p:cTn id="1" dur="indefinite" restart="never" nodeType="tmRoot"/>
+        <p:cTn xmlns:p14="http://schemas.microsoft.com/office/powerpoint/2010/main" id="1" dur="indefinite" restart="never" nodeType="tmRoot"/>
       </p:par>
     </p:tnLst>
   </p:timing>
@@ -16840,7 +16821,7 @@
   <p:timing>
     <p:tnLst>
       <p:par>
-        <p:cTn id="1" dur="indefinite" restart="never" nodeType="tmRoot">
+        <p:cTn xmlns:p14="http://schemas.microsoft.com/office/powerpoint/2010/main" id="1" dur="indefinite" restart="never" nodeType="tmRoot">
           <p:childTnLst>
             <p:seq concurrent="1" nextAc="seek">
               <p:cTn id="2" dur="indefinite" nodeType="mainSeq">
@@ -17439,7 +17420,7 @@
   <p:timing>
     <p:tnLst>
       <p:par>
-        <p:cTn id="1" dur="indefinite" restart="never" nodeType="tmRoot"/>
+        <p:cTn xmlns:p14="http://schemas.microsoft.com/office/powerpoint/2010/main" id="1" dur="indefinite" restart="never" nodeType="tmRoot"/>
       </p:par>
     </p:tnLst>
   </p:timing>
@@ -17668,7 +17649,7 @@
   <p:timing>
     <p:tnLst>
       <p:par>
-        <p:cTn id="1" dur="indefinite" restart="never" nodeType="tmRoot"/>
+        <p:cTn xmlns:p14="http://schemas.microsoft.com/office/powerpoint/2010/main" id="1" dur="indefinite" restart="never" nodeType="tmRoot"/>
       </p:par>
     </p:tnLst>
   </p:timing>
@@ -17844,7 +17825,7 @@
   <p:timing>
     <p:tnLst>
       <p:par>
-        <p:cTn id="1" dur="indefinite" restart="never" nodeType="tmRoot"/>
+        <p:cTn xmlns:p14="http://schemas.microsoft.com/office/powerpoint/2010/main" id="1" dur="indefinite" restart="never" nodeType="tmRoot"/>
       </p:par>
     </p:tnLst>
   </p:timing>
@@ -17944,7 +17925,7 @@
           </a:prstGeom>
           <a:noFill/>
           <a:extLst>
-            <a:ext uri="{909E8E84-426E-40DD-AFC4-6F175D3DCCD1}">
+            <a:ext uri="{909E8E84-426E-40dd-AFC4-6F175D3DCCD1}">
               <a14:hiddenFill xmlns:a14="http://schemas.microsoft.com/office/drawing/2010/main">
                 <a:solidFill>
                   <a:srgbClr val="FFFFFF"/>
@@ -17983,7 +17964,7 @@
           </a:prstGeom>
           <a:noFill/>
           <a:extLst>
-            <a:ext uri="{909E8E84-426E-40DD-AFC4-6F175D3DCCD1}">
+            <a:ext uri="{909E8E84-426E-40dd-AFC4-6F175D3DCCD1}">
               <a14:hiddenFill xmlns:a14="http://schemas.microsoft.com/office/drawing/2010/main">
                 <a:solidFill>
                   <a:srgbClr val="FFFFFF"/>
@@ -18094,7 +18075,7 @@
   <p:timing>
     <p:tnLst>
       <p:par>
-        <p:cTn id="1" dur="indefinite" restart="never" nodeType="tmRoot"/>
+        <p:cTn xmlns:p14="http://schemas.microsoft.com/office/powerpoint/2010/main" id="1" dur="indefinite" restart="never" nodeType="tmRoot"/>
       </p:par>
     </p:tnLst>
   </p:timing>
@@ -18365,7 +18346,7 @@
           </a:prstGeom>
           <a:noFill/>
           <a:extLst>
-            <a:ext uri="{909E8E84-426E-40DD-AFC4-6F175D3DCCD1}">
+            <a:ext uri="{909E8E84-426E-40dd-AFC4-6F175D3DCCD1}">
               <a14:hiddenFill xmlns:a14="http://schemas.microsoft.com/office/drawing/2010/main">
                 <a:solidFill>
                   <a:srgbClr val="FFFFFF"/>
@@ -18439,7 +18420,7 @@
   <p:timing>
     <p:tnLst>
       <p:par>
-        <p:cTn id="1" dur="indefinite" restart="never" nodeType="tmRoot">
+        <p:cTn xmlns:p14="http://schemas.microsoft.com/office/powerpoint/2010/main" id="1" dur="indefinite" restart="never" nodeType="tmRoot">
           <p:childTnLst>
             <p:seq concurrent="1" nextAc="seek">
               <p:cTn id="2" dur="indefinite" nodeType="mainSeq">
@@ -18801,7 +18782,7 @@
           </a:prstGeom>
           <a:noFill/>
           <a:extLst>
-            <a:ext uri="{909E8E84-426E-40DD-AFC4-6F175D3DCCD1}">
+            <a:ext uri="{909E8E84-426E-40dd-AFC4-6F175D3DCCD1}">
               <a14:hiddenFill xmlns:a14="http://schemas.microsoft.com/office/drawing/2010/main">
                 <a:solidFill>
                   <a:srgbClr val="FFFFFF"/>
@@ -18875,7 +18856,7 @@
   <p:timing>
     <p:tnLst>
       <p:par>
-        <p:cTn id="1" dur="indefinite" restart="never" nodeType="tmRoot">
+        <p:cTn xmlns:p14="http://schemas.microsoft.com/office/powerpoint/2010/main" id="1" dur="indefinite" restart="never" nodeType="tmRoot">
           <p:childTnLst>
             <p:seq concurrent="1" nextAc="seek">
               <p:cTn id="2" dur="indefinite" nodeType="mainSeq">
@@ -19198,7 +19179,7 @@
   <p:timing>
     <p:tnLst>
       <p:par>
-        <p:cTn id="1" dur="indefinite" restart="never" nodeType="tmRoot"/>
+        <p:cTn xmlns:p14="http://schemas.microsoft.com/office/powerpoint/2010/main" id="1" dur="indefinite" restart="never" nodeType="tmRoot"/>
       </p:par>
     </p:tnLst>
   </p:timing>
@@ -19453,7 +19434,7 @@
           </a:prstGeom>
           <a:noFill/>
           <a:extLst>
-            <a:ext uri="{909E8E84-426E-40DD-AFC4-6F175D3DCCD1}">
+            <a:ext uri="{909E8E84-426E-40dd-AFC4-6F175D3DCCD1}">
               <a14:hiddenFill xmlns:a14="http://schemas.microsoft.com/office/drawing/2010/main">
                 <a:solidFill>
                   <a:srgbClr val="FFFFFF"/>
@@ -19529,7 +19510,7 @@
   <p:timing>
     <p:tnLst>
       <p:par>
-        <p:cTn id="1" dur="indefinite" restart="never" nodeType="tmRoot"/>
+        <p:cTn xmlns:p14="http://schemas.microsoft.com/office/powerpoint/2010/main" id="1" dur="indefinite" restart="never" nodeType="tmRoot"/>
       </p:par>
     </p:tnLst>
   </p:timing>
@@ -19866,7 +19847,7 @@
   <p:timing>
     <p:tnLst>
       <p:par>
-        <p:cTn id="1" dur="indefinite" restart="never" nodeType="tmRoot"/>
+        <p:cTn xmlns:p14="http://schemas.microsoft.com/office/powerpoint/2010/main" id="1" dur="indefinite" restart="never" nodeType="tmRoot"/>
       </p:par>
     </p:tnLst>
   </p:timing>
@@ -20028,7 +20009,7 @@
   <p:timing>
     <p:tnLst>
       <p:par>
-        <p:cTn id="1" dur="indefinite" restart="never" nodeType="tmRoot"/>
+        <p:cTn xmlns:p14="http://schemas.microsoft.com/office/powerpoint/2010/main" id="1" dur="indefinite" restart="never" nodeType="tmRoot"/>
       </p:par>
     </p:tnLst>
   </p:timing>
@@ -20529,133 +20510,9 @@
   <p:timing>
     <p:tnLst>
       <p:par>
-        <p:cTn id="1" dur="indefinite" restart="never" nodeType="tmRoot">
-          <p:childTnLst>
-            <p:seq concurrent="1" nextAc="seek">
-              <p:cTn id="2" dur="indefinite" nodeType="mainSeq">
-                <p:childTnLst>
-                  <p:par>
-                    <p:cTn id="3" fill="hold">
-                      <p:stCondLst>
-                        <p:cond delay="indefinite"/>
-                      </p:stCondLst>
-                      <p:childTnLst>
-                        <p:par>
-                          <p:cTn id="4" fill="hold">
-                            <p:stCondLst>
-                              <p:cond delay="0"/>
-                            </p:stCondLst>
-                            <p:childTnLst>
-                              <p:par>
-                                <p:cTn id="5" presetID="1" presetClass="entr" presetSubtype="0" fill="hold" grpId="0" nodeType="clickEffect">
-                                  <p:stCondLst>
-                                    <p:cond delay="0"/>
-                                  </p:stCondLst>
-                                  <p:childTnLst>
-                                    <p:set>
-                                      <p:cBhvr>
-                                        <p:cTn id="6" dur="1" fill="hold">
-                                          <p:stCondLst>
-                                            <p:cond delay="0"/>
-                                          </p:stCondLst>
-                                        </p:cTn>
-                                        <p:tgtEl>
-                                          <p:spTgt spid="2">
-                                            <p:txEl>
-                                              <p:pRg st="0" end="0"/>
-                                            </p:txEl>
-                                          </p:spTgt>
-                                        </p:tgtEl>
-                                        <p:attrNameLst>
-                                          <p:attrName>style.visibility</p:attrName>
-                                        </p:attrNameLst>
-                                      </p:cBhvr>
-                                      <p:to>
-                                        <p:strVal val="visible"/>
-                                      </p:to>
-                                    </p:set>
-                                  </p:childTnLst>
-                                </p:cTn>
-                              </p:par>
-                            </p:childTnLst>
-                          </p:cTn>
-                        </p:par>
-                      </p:childTnLst>
-                    </p:cTn>
-                  </p:par>
-                  <p:par>
-                    <p:cTn id="7" fill="hold">
-                      <p:stCondLst>
-                        <p:cond delay="indefinite"/>
-                      </p:stCondLst>
-                      <p:childTnLst>
-                        <p:par>
-                          <p:cTn id="8" fill="hold">
-                            <p:stCondLst>
-                              <p:cond delay="0"/>
-                            </p:stCondLst>
-                            <p:childTnLst>
-                              <p:par>
-                                <p:cTn id="9" presetID="1" presetClass="entr" presetSubtype="0" fill="hold" grpId="0" nodeType="clickEffect">
-                                  <p:stCondLst>
-                                    <p:cond delay="0"/>
-                                  </p:stCondLst>
-                                  <p:childTnLst>
-                                    <p:set>
-                                      <p:cBhvr>
-                                        <p:cTn id="10" dur="1" fill="hold">
-                                          <p:stCondLst>
-                                            <p:cond delay="0"/>
-                                          </p:stCondLst>
-                                        </p:cTn>
-                                        <p:tgtEl>
-                                          <p:spTgt spid="2">
-                                            <p:txEl>
-                                              <p:pRg st="1" end="1"/>
-                                            </p:txEl>
-                                          </p:spTgt>
-                                        </p:tgtEl>
-                                        <p:attrNameLst>
-                                          <p:attrName>style.visibility</p:attrName>
-                                        </p:attrNameLst>
-                                      </p:cBhvr>
-                                      <p:to>
-                                        <p:strVal val="visible"/>
-                                      </p:to>
-                                    </p:set>
-                                  </p:childTnLst>
-                                </p:cTn>
-                              </p:par>
-                            </p:childTnLst>
-                          </p:cTn>
-                        </p:par>
-                      </p:childTnLst>
-                    </p:cTn>
-                  </p:par>
-                </p:childTnLst>
-              </p:cTn>
-              <p:prevCondLst>
-                <p:cond evt="onPrev" delay="0">
-                  <p:tgtEl>
-                    <p:sldTgt/>
-                  </p:tgtEl>
-                </p:cond>
-              </p:prevCondLst>
-              <p:nextCondLst>
-                <p:cond evt="onNext" delay="0">
-                  <p:tgtEl>
-                    <p:sldTgt/>
-                  </p:tgtEl>
-                </p:cond>
-              </p:nextCondLst>
-            </p:seq>
-          </p:childTnLst>
-        </p:cTn>
+        <p:cTn xmlns:p14="http://schemas.microsoft.com/office/powerpoint/2010/main" id="1" dur="indefinite" restart="never" nodeType="tmRoot"/>
       </p:par>
     </p:tnLst>
-    <p:bldLst>
-      <p:bldP spid="2" grpId="0" build="p"/>
-    </p:bldLst>
   </p:timing>
 </p:sld>
 </file>
@@ -21399,7 +21256,7 @@
           </a:prstGeom>
           <a:noFill/>
           <a:extLst>
-            <a:ext uri="{909E8E84-426E-40DD-AFC4-6F175D3DCCD1}">
+            <a:ext uri="{909E8E84-426E-40dd-AFC4-6F175D3DCCD1}">
               <a14:hiddenFill xmlns:a14="http://schemas.microsoft.com/office/drawing/2010/main">
                 <a:solidFill>
                   <a:srgbClr val="FFFFFF"/>
@@ -21451,7 +21308,7 @@
           </a:prstGeom>
           <a:noFill/>
           <a:extLst>
-            <a:ext uri="{909E8E84-426E-40DD-AFC4-6F175D3DCCD1}">
+            <a:ext uri="{909E8E84-426E-40dd-AFC4-6F175D3DCCD1}">
               <a14:hiddenFill xmlns:a14="http://schemas.microsoft.com/office/drawing/2010/main">
                 <a:solidFill>
                   <a:srgbClr val="FFFFFF"/>
@@ -21503,7 +21360,7 @@
   <p:timing>
     <p:tnLst>
       <p:par>
-        <p:cTn id="1" dur="indefinite" restart="never" nodeType="tmRoot">
+        <p:cTn xmlns:p14="http://schemas.microsoft.com/office/powerpoint/2010/main" id="1" dur="indefinite" restart="never" nodeType="tmRoot">
           <p:childTnLst>
             <p:seq concurrent="1" nextAc="seek">
               <p:cTn id="2" dur="indefinite" nodeType="mainSeq">
@@ -21939,7 +21796,7 @@
   <p:timing>
     <p:tnLst>
       <p:par>
-        <p:cTn id="1" dur="indefinite" restart="never" nodeType="tmRoot"/>
+        <p:cTn xmlns:p14="http://schemas.microsoft.com/office/powerpoint/2010/main" id="1" dur="indefinite" restart="never" nodeType="tmRoot"/>
       </p:par>
     </p:tnLst>
   </p:timing>
@@ -22370,7 +22227,7 @@
   <p:timing>
     <p:tnLst>
       <p:par>
-        <p:cTn id="1" dur="indefinite" restart="never" nodeType="tmRoot"/>
+        <p:cTn xmlns:p14="http://schemas.microsoft.com/office/powerpoint/2010/main" id="1" dur="indefinite" restart="never" nodeType="tmRoot"/>
       </p:par>
     </p:tnLst>
   </p:timing>
@@ -22695,7 +22552,7 @@
   <p:timing>
     <p:tnLst>
       <p:par>
-        <p:cTn id="1" dur="indefinite" restart="never" nodeType="tmRoot"/>
+        <p:cTn xmlns:p14="http://schemas.microsoft.com/office/powerpoint/2010/main" id="1" dur="indefinite" restart="never" nodeType="tmRoot"/>
       </p:par>
     </p:tnLst>
   </p:timing>
@@ -22846,7 +22703,7 @@
   <p:timing>
     <p:tnLst>
       <p:par>
-        <p:cTn id="1" dur="indefinite" restart="never" nodeType="tmRoot"/>
+        <p:cTn xmlns:p14="http://schemas.microsoft.com/office/powerpoint/2010/main" id="1" dur="indefinite" restart="never" nodeType="tmRoot"/>
       </p:par>
     </p:tnLst>
   </p:timing>
@@ -23208,7 +23065,7 @@
   <p:timing>
     <p:tnLst>
       <p:par>
-        <p:cTn id="1" dur="indefinite" restart="never" nodeType="tmRoot"/>
+        <p:cTn xmlns:p14="http://schemas.microsoft.com/office/powerpoint/2010/main" id="1" dur="indefinite" restart="never" nodeType="tmRoot"/>
       </p:par>
     </p:tnLst>
   </p:timing>
@@ -23458,7 +23315,7 @@
           </a:prstGeom>
           <a:noFill/>
           <a:extLst>
-            <a:ext uri="{909E8E84-426E-40DD-AFC4-6F175D3DCCD1}">
+            <a:ext uri="{909E8E84-426E-40dd-AFC4-6F175D3DCCD1}">
               <a14:hiddenFill xmlns:a14="http://schemas.microsoft.com/office/drawing/2010/main">
                 <a:solidFill>
                   <a:srgbClr val="FFFFFF"/>
@@ -23535,7 +23392,7 @@
   <p:timing>
     <p:tnLst>
       <p:par>
-        <p:cTn id="1" dur="indefinite" restart="never" nodeType="tmRoot"/>
+        <p:cTn xmlns:p14="http://schemas.microsoft.com/office/powerpoint/2010/main" id="1" dur="indefinite" restart="never" nodeType="tmRoot"/>
       </p:par>
     </p:tnLst>
   </p:timing>
@@ -23705,7 +23562,7 @@
   <p:timing>
     <p:tnLst>
       <p:par>
-        <p:cTn id="1" dur="indefinite" restart="never" nodeType="tmRoot"/>
+        <p:cTn xmlns:p14="http://schemas.microsoft.com/office/powerpoint/2010/main" id="1" dur="indefinite" restart="never" nodeType="tmRoot"/>
       </p:par>
     </p:tnLst>
   </p:timing>
@@ -24460,7 +24317,7 @@
   <p:timing>
     <p:tnLst>
       <p:par>
-        <p:cTn id="1" dur="indefinite" restart="never" nodeType="tmRoot"/>
+        <p:cTn xmlns:p14="http://schemas.microsoft.com/office/powerpoint/2010/main" id="1" dur="indefinite" restart="never" nodeType="tmRoot"/>
       </p:par>
     </p:tnLst>
   </p:timing>
@@ -24783,7 +24640,7 @@
   <p:timing>
     <p:tnLst>
       <p:par>
-        <p:cTn id="1" dur="indefinite" restart="never" nodeType="tmRoot">
+        <p:cTn xmlns:p14="http://schemas.microsoft.com/office/powerpoint/2010/main" id="1" dur="indefinite" restart="never" nodeType="tmRoot">
           <p:childTnLst>
             <p:seq concurrent="1" nextAc="seek">
               <p:cTn id="2" dur="indefinite" nodeType="mainSeq">
@@ -25351,7 +25208,7 @@
   <p:timing>
     <p:tnLst>
       <p:par>
-        <p:cTn id="1" dur="indefinite" restart="never" nodeType="tmRoot">
+        <p:cTn xmlns:p14="http://schemas.microsoft.com/office/powerpoint/2010/main" id="1" dur="indefinite" restart="never" nodeType="tmRoot">
           <p:childTnLst>
             <p:seq concurrent="1" nextAc="seek">
               <p:cTn id="2" dur="indefinite" nodeType="mainSeq">
@@ -25985,7 +25842,7 @@
   <p:timing>
     <p:tnLst>
       <p:par>
-        <p:cTn id="1" dur="indefinite" restart="never" nodeType="tmRoot"/>
+        <p:cTn xmlns:p14="http://schemas.microsoft.com/office/powerpoint/2010/main" id="1" dur="indefinite" restart="never" nodeType="tmRoot"/>
       </p:par>
     </p:tnLst>
   </p:timing>
@@ -26289,7 +26146,7 @@
   <p:timing>
     <p:tnLst>
       <p:par>
-        <p:cTn id="1" dur="indefinite" restart="never" nodeType="tmRoot"/>
+        <p:cTn xmlns:p14="http://schemas.microsoft.com/office/powerpoint/2010/main" id="1" dur="indefinite" restart="never" nodeType="tmRoot"/>
       </p:par>
     </p:tnLst>
   </p:timing>
@@ -26420,13 +26277,7 @@
               <a:rPr lang="nb-NO" sz="1500" dirty="0" err="1" smtClean="0">
                 <a:latin typeface="Consolas" panose="020B0609020204030204" pitchFamily="49" charset="0"/>
               </a:rPr>
-              <a:t>d</a:t>
-            </a:r>
-            <a:r>
-              <a:rPr lang="nb-NO" sz="1500" dirty="0" err="1" smtClean="0">
-                <a:latin typeface="Consolas" panose="020B0609020204030204" pitchFamily="49" charset="0"/>
-              </a:rPr>
-              <a:t>efault-src</a:t>
+              <a:t>default-src</a:t>
             </a:r>
             <a:endParaRPr lang="nb-NO" sz="1500" dirty="0">
               <a:latin typeface="Consolas" panose="020B0609020204030204" pitchFamily="49" charset="0"/>
@@ -26438,13 +26289,7 @@
               <a:rPr lang="nb-NO" sz="1500" dirty="0" smtClean="0">
                 <a:latin typeface="Consolas" panose="020B0609020204030204" pitchFamily="49" charset="0"/>
               </a:rPr>
-              <a:t>s</a:t>
-            </a:r>
-            <a:r>
-              <a:rPr lang="nb-NO" sz="1500" dirty="0" smtClean="0">
-                <a:latin typeface="Consolas" panose="020B0609020204030204" pitchFamily="49" charset="0"/>
-              </a:rPr>
-              <a:t>cript-</a:t>
+              <a:t>script-</a:t>
             </a:r>
             <a:r>
               <a:rPr lang="nb-NO" sz="1500" dirty="0" err="1" smtClean="0">
@@ -26498,7 +26343,6 @@
               <a:rPr lang="nb-NO" dirty="0" smtClean="0"/>
               <a:t>…</a:t>
             </a:r>
-            <a:endParaRPr lang="nb-NO" dirty="0" smtClean="0"/>
           </a:p>
           <a:p>
             <a:r>
@@ -26535,9 +26379,6 @@
               </a:rPr>
               <a:t> </a:t>
             </a:r>
-            <a:endParaRPr lang="nb-NO" sz="1500" dirty="0" smtClean="0">
-              <a:latin typeface="Consolas" panose="020B0609020204030204" pitchFamily="49" charset="0"/>
-            </a:endParaRPr>
           </a:p>
           <a:p>
             <a:pPr lvl="1"/>
@@ -26553,9 +26394,6 @@
               </a:rPr>
               <a:t>-types</a:t>
             </a:r>
-            <a:endParaRPr lang="nb-NO" sz="1500" dirty="0" smtClean="0">
-              <a:latin typeface="Consolas" panose="020B0609020204030204" pitchFamily="49" charset="0"/>
-            </a:endParaRPr>
           </a:p>
           <a:p>
             <a:r>
@@ -26583,9 +26421,6 @@
               </a:rPr>
               <a:t>form-action </a:t>
             </a:r>
-            <a:endParaRPr lang="nb-NO" sz="1500" dirty="0" smtClean="0">
-              <a:latin typeface="Consolas" panose="020B0609020204030204" pitchFamily="49" charset="0"/>
-            </a:endParaRPr>
           </a:p>
           <a:p>
             <a:pPr lvl="1"/>
@@ -26639,9 +26474,6 @@
               </a:rPr>
               <a:t> </a:t>
             </a:r>
-            <a:endParaRPr lang="nb-NO" sz="1500" dirty="0" smtClean="0">
-              <a:latin typeface="Consolas" panose="020B0609020204030204" pitchFamily="49" charset="0"/>
-            </a:endParaRPr>
           </a:p>
           <a:p>
             <a:pPr marL="0" indent="0">
@@ -26717,7 +26549,7 @@
   <p:timing>
     <p:tnLst>
       <p:par>
-        <p:cTn id="1" dur="indefinite" restart="never" nodeType="tmRoot"/>
+        <p:cTn xmlns:p14="http://schemas.microsoft.com/office/powerpoint/2010/main" id="1" dur="indefinite" restart="never" nodeType="tmRoot"/>
       </p:par>
     </p:tnLst>
   </p:timing>
@@ -26933,7 +26765,7 @@
   <p:timing>
     <p:tnLst>
       <p:par>
-        <p:cTn id="1" dur="indefinite" restart="never" nodeType="tmRoot"/>
+        <p:cTn xmlns:p14="http://schemas.microsoft.com/office/powerpoint/2010/main" id="1" dur="indefinite" restart="never" nodeType="tmRoot"/>
       </p:par>
     </p:tnLst>
   </p:timing>
@@ -27189,7 +27021,7 @@
   <p:timing>
     <p:tnLst>
       <p:par>
-        <p:cTn id="1" dur="indefinite" restart="never" nodeType="tmRoot">
+        <p:cTn xmlns:p14="http://schemas.microsoft.com/office/powerpoint/2010/main" id="1" dur="indefinite" restart="never" nodeType="tmRoot">
           <p:childTnLst>
             <p:seq concurrent="1" nextAc="seek">
               <p:cTn id="2" dur="indefinite" nodeType="mainSeq">
@@ -27795,7 +27627,7 @@
   <p:timing>
     <p:tnLst>
       <p:par>
-        <p:cTn id="1" dur="indefinite" restart="never" nodeType="tmRoot">
+        <p:cTn xmlns:p14="http://schemas.microsoft.com/office/powerpoint/2010/main" id="1" dur="indefinite" restart="never" nodeType="tmRoot">
           <p:childTnLst>
             <p:seq concurrent="1" nextAc="seek">
               <p:cTn id="2" dur="indefinite" nodeType="mainSeq">
@@ -28394,7 +28226,7 @@
   <p:timing>
     <p:tnLst>
       <p:par>
-        <p:cTn id="1" dur="indefinite" restart="never" nodeType="tmRoot"/>
+        <p:cTn xmlns:p14="http://schemas.microsoft.com/office/powerpoint/2010/main" id="1" dur="indefinite" restart="never" nodeType="tmRoot"/>
       </p:par>
     </p:tnLst>
   </p:timing>
@@ -28532,28 +28364,23 @@
               <a:rPr lang="nb-NO" dirty="0" smtClean="0"/>
               <a:t>-Options:</a:t>
             </a:r>
+          </a:p>
+          <a:p>
             <a:endParaRPr lang="nb-NO" dirty="0" smtClean="0"/>
           </a:p>
           <a:p>
             <a:endParaRPr lang="nb-NO" dirty="0" smtClean="0"/>
           </a:p>
           <a:p>
+            <a:endParaRPr lang="nb-NO" dirty="0"/>
+          </a:p>
+          <a:p>
             <a:endParaRPr lang="nb-NO" dirty="0" smtClean="0"/>
           </a:p>
           <a:p>
-            <a:endParaRPr lang="nb-NO" dirty="0"/>
-          </a:p>
-          <a:p>
-            <a:endParaRPr lang="nb-NO" dirty="0" smtClean="0"/>
-          </a:p>
-          <a:p>
-            <a:r>
-              <a:rPr lang="nb-NO" dirty="0" smtClean="0"/>
-              <a:t>CSP </a:t>
-            </a:r>
-            <a:r>
-              <a:rPr lang="nb-NO" dirty="0" smtClean="0"/>
-              <a:t>– </a:t>
+            <a:r>
+              <a:rPr lang="nb-NO" dirty="0" smtClean="0"/>
+              <a:t>CSP – </a:t>
             </a:r>
             <a:r>
               <a:rPr lang="nb-NO" dirty="0" err="1" smtClean="0"/>
@@ -29227,7 +29054,7 @@
   <p:timing>
     <p:tnLst>
       <p:par>
-        <p:cTn id="1" dur="indefinite" restart="never" nodeType="tmRoot"/>
+        <p:cTn xmlns:p14="http://schemas.microsoft.com/office/powerpoint/2010/main" id="1" dur="indefinite" restart="never" nodeType="tmRoot"/>
       </p:par>
     </p:tnLst>
   </p:timing>
@@ -29659,7 +29486,7 @@
   <p:timing>
     <p:tnLst>
       <p:par>
-        <p:cTn id="1" dur="indefinite" restart="never" nodeType="tmRoot"/>
+        <p:cTn xmlns:p14="http://schemas.microsoft.com/office/powerpoint/2010/main" id="1" dur="indefinite" restart="never" nodeType="tmRoot"/>
       </p:par>
     </p:tnLst>
   </p:timing>
@@ -30004,7 +29831,7 @@
   <p:timing>
     <p:tnLst>
       <p:par>
-        <p:cTn id="1" dur="indefinite" restart="never" nodeType="tmRoot"/>
+        <p:cTn xmlns:p14="http://schemas.microsoft.com/office/powerpoint/2010/main" id="1" dur="indefinite" restart="never" nodeType="tmRoot"/>
       </p:par>
     </p:tnLst>
   </p:timing>
@@ -30107,7 +29934,7 @@
   <p:timing>
     <p:tnLst>
       <p:par>
-        <p:cTn id="1" dur="indefinite" restart="never" nodeType="tmRoot"/>
+        <p:cTn xmlns:p14="http://schemas.microsoft.com/office/powerpoint/2010/main" id="1" dur="indefinite" restart="never" nodeType="tmRoot"/>
       </p:par>
     </p:tnLst>
   </p:timing>
@@ -30219,7 +30046,7 @@
   <p:timing>
     <p:tnLst>
       <p:par>
-        <p:cTn id="1" dur="indefinite" restart="never" nodeType="tmRoot"/>
+        <p:cTn xmlns:p14="http://schemas.microsoft.com/office/powerpoint/2010/main" id="1" dur="indefinite" restart="never" nodeType="tmRoot"/>
       </p:par>
     </p:tnLst>
   </p:timing>
@@ -30601,7 +30428,7 @@
   <p:timing>
     <p:tnLst>
       <p:par>
-        <p:cTn id="1" dur="indefinite" restart="never" nodeType="tmRoot"/>
+        <p:cTn xmlns:p14="http://schemas.microsoft.com/office/powerpoint/2010/main" id="1" dur="indefinite" restart="never" nodeType="tmRoot"/>
       </p:par>
     </p:tnLst>
   </p:timing>
@@ -30907,7 +30734,7 @@
   <p:timing>
     <p:tnLst>
       <p:par>
-        <p:cTn id="1" dur="indefinite" restart="never" nodeType="tmRoot"/>
+        <p:cTn xmlns:p14="http://schemas.microsoft.com/office/powerpoint/2010/main" id="1" dur="indefinite" restart="never" nodeType="tmRoot"/>
       </p:par>
     </p:tnLst>
   </p:timing>
@@ -31243,7 +31070,7 @@
   <p:timing>
     <p:tnLst>
       <p:par>
-        <p:cTn id="1" dur="indefinite" restart="never" nodeType="tmRoot"/>
+        <p:cTn xmlns:p14="http://schemas.microsoft.com/office/powerpoint/2010/main" id="1" dur="indefinite" restart="never" nodeType="tmRoot"/>
       </p:par>
     </p:tnLst>
   </p:timing>
@@ -31379,7 +31206,7 @@
   <p:timing>
     <p:tnLst>
       <p:par>
-        <p:cTn id="1" dur="indefinite" restart="never" nodeType="tmRoot"/>
+        <p:cTn xmlns:p14="http://schemas.microsoft.com/office/powerpoint/2010/main" id="1" dur="indefinite" restart="never" nodeType="tmRoot"/>
       </p:par>
     </p:tnLst>
   </p:timing>
@@ -31781,7 +31608,7 @@
   <p:timing>
     <p:tnLst>
       <p:par>
-        <p:cTn id="1" dur="indefinite" restart="never" nodeType="tmRoot"/>
+        <p:cTn xmlns:p14="http://schemas.microsoft.com/office/powerpoint/2010/main" id="1" dur="indefinite" restart="never" nodeType="tmRoot"/>
       </p:par>
     </p:tnLst>
   </p:timing>
@@ -32091,7 +31918,7 @@
   <p:timing>
     <p:tnLst>
       <p:par>
-        <p:cTn id="1" dur="indefinite" restart="never" nodeType="tmRoot"/>
+        <p:cTn xmlns:p14="http://schemas.microsoft.com/office/powerpoint/2010/main" id="1" dur="indefinite" restart="never" nodeType="tmRoot"/>
       </p:par>
     </p:tnLst>
   </p:timing>
@@ -32307,7 +32134,7 @@
   <p:timing>
     <p:tnLst>
       <p:par>
-        <p:cTn id="1" dur="indefinite" restart="never" nodeType="tmRoot">
+        <p:cTn xmlns:p14="http://schemas.microsoft.com/office/powerpoint/2010/main" id="1" dur="indefinite" restart="never" nodeType="tmRoot">
           <p:childTnLst>
             <p:seq concurrent="1" nextAc="seek">
               <p:cTn id="2" dur="indefinite" nodeType="mainSeq">
@@ -32842,7 +32669,7 @@
   <p:timing>
     <p:tnLst>
       <p:par>
-        <p:cTn id="1" dur="indefinite" restart="never" nodeType="tmRoot"/>
+        <p:cTn xmlns:p14="http://schemas.microsoft.com/office/powerpoint/2010/main" id="1" dur="indefinite" restart="never" nodeType="tmRoot"/>
       </p:par>
     </p:tnLst>
   </p:timing>
@@ -33001,7 +32828,7 @@
   <p:timing>
     <p:tnLst>
       <p:par>
-        <p:cTn id="1" dur="indefinite" restart="never" nodeType="tmRoot"/>
+        <p:cTn xmlns:p14="http://schemas.microsoft.com/office/powerpoint/2010/main" id="1" dur="indefinite" restart="never" nodeType="tmRoot"/>
       </p:par>
     </p:tnLst>
   </p:timing>
@@ -33353,7 +33180,7 @@
   <p:timing>
     <p:tnLst>
       <p:par>
-        <p:cTn id="1" dur="indefinite" restart="never" nodeType="tmRoot"/>
+        <p:cTn xmlns:p14="http://schemas.microsoft.com/office/powerpoint/2010/main" id="1" dur="indefinite" restart="never" nodeType="tmRoot"/>
       </p:par>
     </p:tnLst>
   </p:timing>
@@ -33770,7 +33597,7 @@
   <p:timing>
     <p:tnLst>
       <p:par>
-        <p:cTn id="1" dur="indefinite" restart="never" nodeType="tmRoot"/>
+        <p:cTn xmlns:p14="http://schemas.microsoft.com/office/powerpoint/2010/main" id="1" dur="indefinite" restart="never" nodeType="tmRoot"/>
       </p:par>
     </p:tnLst>
   </p:timing>
@@ -33932,7 +33759,7 @@
   <p:timing>
     <p:tnLst>
       <p:par>
-        <p:cTn id="1" dur="indefinite" restart="never" nodeType="tmRoot"/>
+        <p:cTn xmlns:p14="http://schemas.microsoft.com/office/powerpoint/2010/main" id="1" dur="indefinite" restart="never" nodeType="tmRoot"/>
       </p:par>
     </p:tnLst>
   </p:timing>
@@ -34243,7 +34070,7 @@
   <p:timing>
     <p:tnLst>
       <p:par>
-        <p:cTn id="1" dur="indefinite" restart="never" nodeType="tmRoot"/>
+        <p:cTn xmlns:p14="http://schemas.microsoft.com/office/powerpoint/2010/main" id="1" dur="indefinite" restart="never" nodeType="tmRoot"/>
       </p:par>
     </p:tnLst>
   </p:timing>
@@ -34698,7 +34525,7 @@
           </a:prstGeom>
           <a:noFill/>
           <a:extLst>
-            <a:ext uri="{909E8E84-426E-40DD-AFC4-6F175D3DCCD1}">
+            <a:ext uri="{909E8E84-426E-40dd-AFC4-6F175D3DCCD1}">
               <a14:hiddenFill xmlns:a14="http://schemas.microsoft.com/office/drawing/2010/main">
                 <a:solidFill>
                   <a:srgbClr val="FFFFFF"/>
@@ -34750,7 +34577,7 @@
   <p:timing>
     <p:tnLst>
       <p:par>
-        <p:cTn id="1" dur="indefinite" restart="never" nodeType="tmRoot"/>
+        <p:cTn xmlns:p14="http://schemas.microsoft.com/office/powerpoint/2010/main" id="1" dur="indefinite" restart="never" nodeType="tmRoot"/>
       </p:par>
     </p:tnLst>
   </p:timing>
@@ -35068,7 +34895,7 @@
   <p:timing>
     <p:tnLst>
       <p:par>
-        <p:cTn id="1" dur="indefinite" restart="never" nodeType="tmRoot"/>
+        <p:cTn xmlns:p14="http://schemas.microsoft.com/office/powerpoint/2010/main" id="1" dur="indefinite" restart="never" nodeType="tmRoot"/>
       </p:par>
     </p:tnLst>
   </p:timing>
@@ -35528,7 +35355,7 @@
   </a:custClrLst>
   <a:extLst>
     <a:ext uri="{05A4C25C-085E-4340-85A3-A5531E510DB2}">
-      <thm15:themeFamily xmlns:thm15="http://schemas.microsoft.com/office/thememl/2012/main" name="Skandiabanken-Presentasjonsmal.potx" id="{527C7631-DC62-4E7C-8669-52160E198906}" vid="{FE675D05-5AA7-4DA8-A479-30FD2CC27264}"/>
+      <thm15:themeFamily xmlns:thm15="http://schemas.microsoft.com/office/thememl/2012/main" xmlns="" name="Skandiabanken-Presentasjonsmal.potx" id="{527C7631-DC62-4E7C-8669-52160E198906}" vid="{FE675D05-5AA7-4DA8-A479-30FD2CC27264}"/>
     </a:ext>
   </a:extLst>
 </a:theme>
